--- a/dingtalk/picture/DingTalk-event-bot.pptx
+++ b/dingtalk/picture/DingTalk-event-bot.pptx
@@ -104,6 +104,11 @@
       </a:defRPr>
     </a:lvl9pPr>
   </p:defaultTextStyle>
+  <p:extLst>
+    <p:ext uri="{EFAFB233-063F-42B5-8137-9DF3F51BA10A}">
+      <p15:sldGuideLst xmlns:p15="http://schemas.microsoft.com/office/powerpoint/2012/main"/>
+    </p:ext>
+  </p:extLst>
 </p:presentation>
 </file>
 
@@ -256,7 +261,7 @@
           <a:p>
             <a:fld id="{C6EA7720-0BC5-0645-AA5C-FE26E249EF6F}" type="datetimeFigureOut">
               <a:rPr lang="en-CN" smtClean="0"/>
-              <a:t>2023/3/28</a:t>
+              <a:t>2023/3/29</a:t>
             </a:fld>
             <a:endParaRPr lang="en-CN"/>
           </a:p>
@@ -456,7 +461,7 @@
           <a:p>
             <a:fld id="{C6EA7720-0BC5-0645-AA5C-FE26E249EF6F}" type="datetimeFigureOut">
               <a:rPr lang="en-CN" smtClean="0"/>
-              <a:t>2023/3/28</a:t>
+              <a:t>2023/3/29</a:t>
             </a:fld>
             <a:endParaRPr lang="en-CN"/>
           </a:p>
@@ -666,7 +671,7 @@
           <a:p>
             <a:fld id="{C6EA7720-0BC5-0645-AA5C-FE26E249EF6F}" type="datetimeFigureOut">
               <a:rPr lang="en-CN" smtClean="0"/>
-              <a:t>2023/3/28</a:t>
+              <a:t>2023/3/29</a:t>
             </a:fld>
             <a:endParaRPr lang="en-CN"/>
           </a:p>
@@ -866,7 +871,7 @@
           <a:p>
             <a:fld id="{C6EA7720-0BC5-0645-AA5C-FE26E249EF6F}" type="datetimeFigureOut">
               <a:rPr lang="en-CN" smtClean="0"/>
-              <a:t>2023/3/28</a:t>
+              <a:t>2023/3/29</a:t>
             </a:fld>
             <a:endParaRPr lang="en-CN"/>
           </a:p>
@@ -1142,7 +1147,7 @@
           <a:p>
             <a:fld id="{C6EA7720-0BC5-0645-AA5C-FE26E249EF6F}" type="datetimeFigureOut">
               <a:rPr lang="en-CN" smtClean="0"/>
-              <a:t>2023/3/28</a:t>
+              <a:t>2023/3/29</a:t>
             </a:fld>
             <a:endParaRPr lang="en-CN"/>
           </a:p>
@@ -1410,7 +1415,7 @@
           <a:p>
             <a:fld id="{C6EA7720-0BC5-0645-AA5C-FE26E249EF6F}" type="datetimeFigureOut">
               <a:rPr lang="en-CN" smtClean="0"/>
-              <a:t>2023/3/28</a:t>
+              <a:t>2023/3/29</a:t>
             </a:fld>
             <a:endParaRPr lang="en-CN"/>
           </a:p>
@@ -1825,7 +1830,7 @@
           <a:p>
             <a:fld id="{C6EA7720-0BC5-0645-AA5C-FE26E249EF6F}" type="datetimeFigureOut">
               <a:rPr lang="en-CN" smtClean="0"/>
-              <a:t>2023/3/28</a:t>
+              <a:t>2023/3/29</a:t>
             </a:fld>
             <a:endParaRPr lang="en-CN"/>
           </a:p>
@@ -1967,7 +1972,7 @@
           <a:p>
             <a:fld id="{C6EA7720-0BC5-0645-AA5C-FE26E249EF6F}" type="datetimeFigureOut">
               <a:rPr lang="en-CN" smtClean="0"/>
-              <a:t>2023/3/28</a:t>
+              <a:t>2023/3/29</a:t>
             </a:fld>
             <a:endParaRPr lang="en-CN"/>
           </a:p>
@@ -2080,7 +2085,7 @@
           <a:p>
             <a:fld id="{C6EA7720-0BC5-0645-AA5C-FE26E249EF6F}" type="datetimeFigureOut">
               <a:rPr lang="en-CN" smtClean="0"/>
-              <a:t>2023/3/28</a:t>
+              <a:t>2023/3/29</a:t>
             </a:fld>
             <a:endParaRPr lang="en-CN"/>
           </a:p>
@@ -2393,7 +2398,7 @@
           <a:p>
             <a:fld id="{C6EA7720-0BC5-0645-AA5C-FE26E249EF6F}" type="datetimeFigureOut">
               <a:rPr lang="en-CN" smtClean="0"/>
-              <a:t>2023/3/28</a:t>
+              <a:t>2023/3/29</a:t>
             </a:fld>
             <a:endParaRPr lang="en-CN"/>
           </a:p>
@@ -2682,7 +2687,7 @@
           <a:p>
             <a:fld id="{C6EA7720-0BC5-0645-AA5C-FE26E249EF6F}" type="datetimeFigureOut">
               <a:rPr lang="en-CN" smtClean="0"/>
-              <a:t>2023/3/28</a:t>
+              <a:t>2023/3/29</a:t>
             </a:fld>
             <a:endParaRPr lang="en-CN"/>
           </a:p>
@@ -2925,7 +2930,7 @@
           <a:p>
             <a:fld id="{C6EA7720-0BC5-0645-AA5C-FE26E249EF6F}" type="datetimeFigureOut">
               <a:rPr lang="en-CN" smtClean="0"/>
-              <a:t>2023/3/28</a:t>
+              <a:t>2023/3/29</a:t>
             </a:fld>
             <a:endParaRPr lang="en-CN"/>
           </a:p>
@@ -7236,7 +7241,7 @@
         </p:nvSpPr>
         <p:spPr bwMode="auto">
           <a:xfrm>
-            <a:off x="8347048" y="1545916"/>
+            <a:off x="8348299" y="1484798"/>
             <a:ext cx="1283865" cy="646331"/>
           </a:xfrm>
           <a:prstGeom prst="rect">
@@ -8455,6 +8460,239 @@
                 <a:cs typeface="Arial" panose="020B0604020202020204" pitchFamily="34" charset="0"/>
               </a:rPr>
               <a:t>SNS</a:t>
+            </a:r>
+          </a:p>
+        </p:txBody>
+      </p:sp>
+      <p:sp>
+        <p:nvSpPr>
+          <p:cNvPr id="2" name="Rectangle 1">
+            <a:extLst>
+              <a:ext uri="{FF2B5EF4-FFF2-40B4-BE49-F238E27FC236}">
+                <a16:creationId xmlns:a16="http://schemas.microsoft.com/office/drawing/2014/main" id="{859CF2D8-7D15-6A96-DD8B-38683669D41F}"/>
+              </a:ext>
+            </a:extLst>
+          </p:cNvPr>
+          <p:cNvSpPr/>
+          <p:nvPr/>
+        </p:nvSpPr>
+        <p:spPr>
+          <a:xfrm>
+            <a:off x="1015307" y="3269691"/>
+            <a:ext cx="5507855" cy="2160895"/>
+          </a:xfrm>
+          <a:prstGeom prst="rect">
+            <a:avLst/>
+          </a:prstGeom>
+          <a:solidFill>
+            <a:srgbClr val="1D8900">
+              <a:alpha val="9804"/>
+            </a:srgbClr>
+          </a:solidFill>
+          <a:ln w="12700">
+            <a:noFill/>
+            <a:prstDash val="dash"/>
+          </a:ln>
+        </p:spPr>
+        <p:style>
+          <a:lnRef idx="2">
+            <a:schemeClr val="accent1">
+              <a:shade val="50000"/>
+            </a:schemeClr>
+          </a:lnRef>
+          <a:fillRef idx="1">
+            <a:schemeClr val="accent1"/>
+          </a:fillRef>
+          <a:effectRef idx="0">
+            <a:schemeClr val="accent1"/>
+          </a:effectRef>
+          <a:fontRef idx="minor">
+            <a:schemeClr val="lt1"/>
+          </a:fontRef>
+        </p:style>
+        <p:txBody>
+          <a:bodyPr lIns="502920"/>
+          <a:lstStyle/>
+          <a:p>
+            <a:pPr eaLnBrk="1" fontAlgn="auto" hangingPunct="1">
+              <a:spcBef>
+                <a:spcPts val="0"/>
+              </a:spcBef>
+              <a:spcAft>
+                <a:spcPts val="0"/>
+              </a:spcAft>
+              <a:defRPr/>
+            </a:pPr>
+            <a:r>
+              <a:rPr lang="en-US" sz="1200" dirty="0">
+                <a:solidFill>
+                  <a:srgbClr val="1E8900"/>
+                </a:solidFill>
+                <a:latin typeface="Arial" panose="020B0604020202020204" pitchFamily="34" charset="0"/>
+                <a:cs typeface="Arial" panose="020B0604020202020204" pitchFamily="34" charset="0"/>
+              </a:rPr>
+              <a:t>Application</a:t>
+            </a:r>
+          </a:p>
+        </p:txBody>
+      </p:sp>
+      <p:sp>
+        <p:nvSpPr>
+          <p:cNvPr id="3" name="TextBox 2">
+            <a:extLst>
+              <a:ext uri="{FF2B5EF4-FFF2-40B4-BE49-F238E27FC236}">
+                <a16:creationId xmlns:a16="http://schemas.microsoft.com/office/drawing/2014/main" id="{8170261A-0C09-AF4D-BC62-3698736FDE91}"/>
+              </a:ext>
+            </a:extLst>
+          </p:cNvPr>
+          <p:cNvSpPr txBox="1">
+            <a:spLocks noChangeArrowheads="1"/>
+          </p:cNvSpPr>
+          <p:nvPr/>
+        </p:nvSpPr>
+        <p:spPr bwMode="auto">
+          <a:xfrm>
+            <a:off x="8972171" y="1183649"/>
+            <a:ext cx="1283865" cy="276999"/>
+          </a:xfrm>
+          <a:prstGeom prst="rect">
+            <a:avLst/>
+          </a:prstGeom>
+          <a:noFill/>
+          <a:ln>
+            <a:noFill/>
+          </a:ln>
+          <a:extLst>
+            <a:ext uri="{909E8E84-426E-40DD-AFC4-6F175D3DCCD1}">
+              <a14:hiddenFill xmlns:a14="http://schemas.microsoft.com/office/drawing/2010/main">
+                <a:solidFill>
+                  <a:srgbClr val="FFFFFF"/>
+                </a:solidFill>
+              </a14:hiddenFill>
+            </a:ext>
+            <a:ext uri="{91240B29-F687-4F45-9708-019B960494DF}">
+              <a14:hiddenLine xmlns:a14="http://schemas.microsoft.com/office/drawing/2010/main" w="9525">
+                <a:solidFill>
+                  <a:srgbClr val="000000"/>
+                </a:solidFill>
+                <a:miter lim="800000"/>
+                <a:headEnd/>
+                <a:tailEnd/>
+              </a14:hiddenLine>
+            </a:ext>
+          </a:extLst>
+        </p:spPr>
+        <p:txBody>
+          <a:bodyPr wrap="square">
+            <a:spAutoFit/>
+          </a:bodyPr>
+          <a:lstStyle>
+            <a:lvl1pPr>
+              <a:defRPr>
+                <a:solidFill>
+                  <a:schemeClr val="tx1"/>
+                </a:solidFill>
+                <a:latin typeface="Calibri" panose="020F0502020204030204" pitchFamily="34" charset="0"/>
+              </a:defRPr>
+            </a:lvl1pPr>
+            <a:lvl2pPr marL="742950" indent="-285750">
+              <a:defRPr>
+                <a:solidFill>
+                  <a:schemeClr val="tx1"/>
+                </a:solidFill>
+                <a:latin typeface="Calibri" panose="020F0502020204030204" pitchFamily="34" charset="0"/>
+              </a:defRPr>
+            </a:lvl2pPr>
+            <a:lvl3pPr marL="1143000" indent="-228600">
+              <a:defRPr>
+                <a:solidFill>
+                  <a:schemeClr val="tx1"/>
+                </a:solidFill>
+                <a:latin typeface="Calibri" panose="020F0502020204030204" pitchFamily="34" charset="0"/>
+              </a:defRPr>
+            </a:lvl3pPr>
+            <a:lvl4pPr marL="1600200" indent="-228600">
+              <a:defRPr>
+                <a:solidFill>
+                  <a:schemeClr val="tx1"/>
+                </a:solidFill>
+                <a:latin typeface="Calibri" panose="020F0502020204030204" pitchFamily="34" charset="0"/>
+              </a:defRPr>
+            </a:lvl4pPr>
+            <a:lvl5pPr marL="2057400" indent="-228600">
+              <a:defRPr>
+                <a:solidFill>
+                  <a:schemeClr val="tx1"/>
+                </a:solidFill>
+                <a:latin typeface="Calibri" panose="020F0502020204030204" pitchFamily="34" charset="0"/>
+              </a:defRPr>
+            </a:lvl5pPr>
+            <a:lvl6pPr marL="2514600" indent="-228600" eaLnBrk="0" fontAlgn="base" hangingPunct="0">
+              <a:spcBef>
+                <a:spcPct val="0"/>
+              </a:spcBef>
+              <a:spcAft>
+                <a:spcPct val="0"/>
+              </a:spcAft>
+              <a:defRPr>
+                <a:solidFill>
+                  <a:schemeClr val="tx1"/>
+                </a:solidFill>
+                <a:latin typeface="Calibri" panose="020F0502020204030204" pitchFamily="34" charset="0"/>
+              </a:defRPr>
+            </a:lvl6pPr>
+            <a:lvl7pPr marL="2971800" indent="-228600" eaLnBrk="0" fontAlgn="base" hangingPunct="0">
+              <a:spcBef>
+                <a:spcPct val="0"/>
+              </a:spcBef>
+              <a:spcAft>
+                <a:spcPct val="0"/>
+              </a:spcAft>
+              <a:defRPr>
+                <a:solidFill>
+                  <a:schemeClr val="tx1"/>
+                </a:solidFill>
+                <a:latin typeface="Calibri" panose="020F0502020204030204" pitchFamily="34" charset="0"/>
+              </a:defRPr>
+            </a:lvl7pPr>
+            <a:lvl8pPr marL="3429000" indent="-228600" eaLnBrk="0" fontAlgn="base" hangingPunct="0">
+              <a:spcBef>
+                <a:spcPct val="0"/>
+              </a:spcBef>
+              <a:spcAft>
+                <a:spcPct val="0"/>
+              </a:spcAft>
+              <a:defRPr>
+                <a:solidFill>
+                  <a:schemeClr val="tx1"/>
+                </a:solidFill>
+                <a:latin typeface="Calibri" panose="020F0502020204030204" pitchFamily="34" charset="0"/>
+              </a:defRPr>
+            </a:lvl8pPr>
+            <a:lvl9pPr marL="3886200" indent="-228600" eaLnBrk="0" fontAlgn="base" hangingPunct="0">
+              <a:spcBef>
+                <a:spcPct val="0"/>
+              </a:spcBef>
+              <a:spcAft>
+                <a:spcPct val="0"/>
+              </a:spcAft>
+              <a:defRPr>
+                <a:solidFill>
+                  <a:schemeClr val="tx1"/>
+                </a:solidFill>
+                <a:latin typeface="Calibri" panose="020F0502020204030204" pitchFamily="34" charset="0"/>
+              </a:defRPr>
+            </a:lvl9pPr>
+          </a:lstStyle>
+          <a:p>
+            <a:pPr algn="ctr" eaLnBrk="1" hangingPunct="1"/>
+            <a:r>
+              <a:rPr lang="en-US" altLang="en-US" sz="1200" dirty="0">
+                <a:latin typeface="Arial" panose="020B0604020202020204" pitchFamily="34" charset="0"/>
+                <a:ea typeface="Amazon Ember" panose="020B0603020204020204" pitchFamily="34" charset="0"/>
+                <a:cs typeface="Arial" panose="020B0604020202020204" pitchFamily="34" charset="0"/>
+              </a:rPr>
+              <a:t>管理员</a:t>
             </a:r>
           </a:p>
         </p:txBody>

--- a/dingtalk/picture/DingTalk-event-bot.pptx
+++ b/dingtalk/picture/DingTalk-event-bot.pptx
@@ -7756,7 +7756,7 @@
         </p:nvSpPr>
         <p:spPr bwMode="auto">
           <a:xfrm>
-            <a:off x="4942237" y="1882515"/>
+            <a:off x="4789012" y="2210376"/>
             <a:ext cx="1283865" cy="276999"/>
           </a:xfrm>
           <a:prstGeom prst="rect">
@@ -8167,7 +8167,7 @@
         </p:blipFill>
         <p:spPr bwMode="auto">
           <a:xfrm>
-            <a:off x="6272879" y="1754312"/>
+            <a:off x="6272879" y="1733764"/>
             <a:ext cx="457200" cy="457200"/>
           </a:xfrm>
           <a:prstGeom prst="rect">
@@ -8693,6 +8693,263 @@
                 <a:cs typeface="Arial" panose="020B0604020202020204" pitchFamily="34" charset="0"/>
               </a:rPr>
               <a:t>管理员</a:t>
+            </a:r>
+          </a:p>
+        </p:txBody>
+      </p:sp>
+      <p:sp>
+        <p:nvSpPr>
+          <p:cNvPr id="21" name="Freeform 20">
+            <a:extLst>
+              <a:ext uri="{FF2B5EF4-FFF2-40B4-BE49-F238E27FC236}">
+                <a16:creationId xmlns:a16="http://schemas.microsoft.com/office/drawing/2014/main" id="{ABD77A7E-B808-9F33-4729-1F95BA417E7B}"/>
+              </a:ext>
+            </a:extLst>
+          </p:cNvPr>
+          <p:cNvSpPr/>
+          <p:nvPr/>
+        </p:nvSpPr>
+        <p:spPr>
+          <a:xfrm rot="5400000" flipH="1" flipV="1">
+            <a:off x="5232760" y="2640086"/>
+            <a:ext cx="566262" cy="474715"/>
+          </a:xfrm>
+          <a:custGeom>
+            <a:avLst/>
+            <a:gdLst>
+              <a:gd name="connsiteX0" fmla="*/ 1371600 w 1371600"/>
+              <a:gd name="connsiteY0" fmla="*/ 711200 h 711200"/>
+              <a:gd name="connsiteX1" fmla="*/ 1371600 w 1371600"/>
+              <a:gd name="connsiteY1" fmla="*/ 0 h 711200"/>
+              <a:gd name="connsiteX2" fmla="*/ 0 w 1371600"/>
+              <a:gd name="connsiteY2" fmla="*/ 0 h 711200"/>
+            </a:gdLst>
+            <a:ahLst/>
+            <a:cxnLst>
+              <a:cxn ang="0">
+                <a:pos x="connsiteX0" y="connsiteY0"/>
+              </a:cxn>
+              <a:cxn ang="0">
+                <a:pos x="connsiteX1" y="connsiteY1"/>
+              </a:cxn>
+              <a:cxn ang="0">
+                <a:pos x="connsiteX2" y="connsiteY2"/>
+              </a:cxn>
+            </a:cxnLst>
+            <a:rect l="l" t="t" r="r" b="b"/>
+            <a:pathLst>
+              <a:path w="1371600" h="711200">
+                <a:moveTo>
+                  <a:pt x="1371600" y="711200"/>
+                </a:moveTo>
+                <a:lnTo>
+                  <a:pt x="1371600" y="0"/>
+                </a:lnTo>
+                <a:lnTo>
+                  <a:pt x="0" y="0"/>
+                </a:lnTo>
+              </a:path>
+            </a:pathLst>
+          </a:custGeom>
+          <a:noFill/>
+          <a:ln w="12700">
+            <a:solidFill>
+              <a:schemeClr val="tx2"/>
+            </a:solidFill>
+            <a:headEnd type="none" w="med" len="sm"/>
+            <a:tailEnd type="arrow" w="med" len="sm"/>
+          </a:ln>
+        </p:spPr>
+        <p:style>
+          <a:lnRef idx="2">
+            <a:schemeClr val="accent1">
+              <a:shade val="50000"/>
+            </a:schemeClr>
+          </a:lnRef>
+          <a:fillRef idx="1">
+            <a:schemeClr val="accent1"/>
+          </a:fillRef>
+          <a:effectRef idx="0">
+            <a:schemeClr val="accent1"/>
+          </a:effectRef>
+          <a:fontRef idx="minor">
+            <a:schemeClr val="lt1"/>
+          </a:fontRef>
+        </p:style>
+        <p:txBody>
+          <a:bodyPr anchor="ctr"/>
+          <a:lstStyle/>
+          <a:p>
+            <a:pPr algn="ctr" eaLnBrk="1" fontAlgn="auto" hangingPunct="1">
+              <a:spcBef>
+                <a:spcPts val="0"/>
+              </a:spcBef>
+              <a:spcAft>
+                <a:spcPts val="0"/>
+              </a:spcAft>
+              <a:defRPr/>
+            </a:pPr>
+            <a:endParaRPr lang="en-US" dirty="0"/>
+          </a:p>
+        </p:txBody>
+      </p:sp>
+      <p:sp>
+        <p:nvSpPr>
+          <p:cNvPr id="23" name="TextBox 22">
+            <a:extLst>
+              <a:ext uri="{FF2B5EF4-FFF2-40B4-BE49-F238E27FC236}">
+                <a16:creationId xmlns:a16="http://schemas.microsoft.com/office/drawing/2014/main" id="{D5065F9F-1997-676F-24C8-433253B1B392}"/>
+              </a:ext>
+            </a:extLst>
+          </p:cNvPr>
+          <p:cNvSpPr txBox="1">
+            <a:spLocks noChangeArrowheads="1"/>
+          </p:cNvSpPr>
+          <p:nvPr/>
+        </p:nvSpPr>
+        <p:spPr bwMode="auto">
+          <a:xfrm>
+            <a:off x="5939896" y="2108751"/>
+            <a:ext cx="1283865" cy="276999"/>
+          </a:xfrm>
+          <a:prstGeom prst="rect">
+            <a:avLst/>
+          </a:prstGeom>
+          <a:noFill/>
+          <a:ln>
+            <a:noFill/>
+          </a:ln>
+          <a:extLst>
+            <a:ext uri="{909E8E84-426E-40DD-AFC4-6F175D3DCCD1}">
+              <a14:hiddenFill xmlns:a14="http://schemas.microsoft.com/office/drawing/2010/main">
+                <a:solidFill>
+                  <a:srgbClr val="FFFFFF"/>
+                </a:solidFill>
+              </a14:hiddenFill>
+            </a:ext>
+            <a:ext uri="{91240B29-F687-4F45-9708-019B960494DF}">
+              <a14:hiddenLine xmlns:a14="http://schemas.microsoft.com/office/drawing/2010/main" w="9525">
+                <a:solidFill>
+                  <a:srgbClr val="000000"/>
+                </a:solidFill>
+                <a:miter lim="800000"/>
+                <a:headEnd/>
+                <a:tailEnd/>
+              </a14:hiddenLine>
+            </a:ext>
+          </a:extLst>
+        </p:spPr>
+        <p:txBody>
+          <a:bodyPr wrap="square">
+            <a:spAutoFit/>
+          </a:bodyPr>
+          <a:lstStyle>
+            <a:lvl1pPr>
+              <a:defRPr>
+                <a:solidFill>
+                  <a:schemeClr val="tx1"/>
+                </a:solidFill>
+                <a:latin typeface="Calibri" panose="020F0502020204030204" pitchFamily="34" charset="0"/>
+              </a:defRPr>
+            </a:lvl1pPr>
+            <a:lvl2pPr marL="742950" indent="-285750">
+              <a:defRPr>
+                <a:solidFill>
+                  <a:schemeClr val="tx1"/>
+                </a:solidFill>
+                <a:latin typeface="Calibri" panose="020F0502020204030204" pitchFamily="34" charset="0"/>
+              </a:defRPr>
+            </a:lvl2pPr>
+            <a:lvl3pPr marL="1143000" indent="-228600">
+              <a:defRPr>
+                <a:solidFill>
+                  <a:schemeClr val="tx1"/>
+                </a:solidFill>
+                <a:latin typeface="Calibri" panose="020F0502020204030204" pitchFamily="34" charset="0"/>
+              </a:defRPr>
+            </a:lvl3pPr>
+            <a:lvl4pPr marL="1600200" indent="-228600">
+              <a:defRPr>
+                <a:solidFill>
+                  <a:schemeClr val="tx1"/>
+                </a:solidFill>
+                <a:latin typeface="Calibri" panose="020F0502020204030204" pitchFamily="34" charset="0"/>
+              </a:defRPr>
+            </a:lvl4pPr>
+            <a:lvl5pPr marL="2057400" indent="-228600">
+              <a:defRPr>
+                <a:solidFill>
+                  <a:schemeClr val="tx1"/>
+                </a:solidFill>
+                <a:latin typeface="Calibri" panose="020F0502020204030204" pitchFamily="34" charset="0"/>
+              </a:defRPr>
+            </a:lvl5pPr>
+            <a:lvl6pPr marL="2514600" indent="-228600" eaLnBrk="0" fontAlgn="base" hangingPunct="0">
+              <a:spcBef>
+                <a:spcPct val="0"/>
+              </a:spcBef>
+              <a:spcAft>
+                <a:spcPct val="0"/>
+              </a:spcAft>
+              <a:defRPr>
+                <a:solidFill>
+                  <a:schemeClr val="tx1"/>
+                </a:solidFill>
+                <a:latin typeface="Calibri" panose="020F0502020204030204" pitchFamily="34" charset="0"/>
+              </a:defRPr>
+            </a:lvl6pPr>
+            <a:lvl7pPr marL="2971800" indent="-228600" eaLnBrk="0" fontAlgn="base" hangingPunct="0">
+              <a:spcBef>
+                <a:spcPct val="0"/>
+              </a:spcBef>
+              <a:spcAft>
+                <a:spcPct val="0"/>
+              </a:spcAft>
+              <a:defRPr>
+                <a:solidFill>
+                  <a:schemeClr val="tx1"/>
+                </a:solidFill>
+                <a:latin typeface="Calibri" panose="020F0502020204030204" pitchFamily="34" charset="0"/>
+              </a:defRPr>
+            </a:lvl7pPr>
+            <a:lvl8pPr marL="3429000" indent="-228600" eaLnBrk="0" fontAlgn="base" hangingPunct="0">
+              <a:spcBef>
+                <a:spcPct val="0"/>
+              </a:spcBef>
+              <a:spcAft>
+                <a:spcPct val="0"/>
+              </a:spcAft>
+              <a:defRPr>
+                <a:solidFill>
+                  <a:schemeClr val="tx1"/>
+                </a:solidFill>
+                <a:latin typeface="Calibri" panose="020F0502020204030204" pitchFamily="34" charset="0"/>
+              </a:defRPr>
+            </a:lvl8pPr>
+            <a:lvl9pPr marL="3886200" indent="-228600" eaLnBrk="0" fontAlgn="base" hangingPunct="0">
+              <a:spcBef>
+                <a:spcPct val="0"/>
+              </a:spcBef>
+              <a:spcAft>
+                <a:spcPct val="0"/>
+              </a:spcAft>
+              <a:defRPr>
+                <a:solidFill>
+                  <a:schemeClr val="tx1"/>
+                </a:solidFill>
+                <a:latin typeface="Calibri" panose="020F0502020204030204" pitchFamily="34" charset="0"/>
+              </a:defRPr>
+            </a:lvl9pPr>
+          </a:lstStyle>
+          <a:p>
+            <a:pPr algn="ctr" eaLnBrk="1" hangingPunct="1"/>
+            <a:r>
+              <a:rPr lang="en-US" altLang="en-US" sz="1200" dirty="0">
+                <a:latin typeface="Arial" panose="020B0604020202020204" pitchFamily="34" charset="0"/>
+                <a:ea typeface="Amazon Ember" panose="020B0603020204020204" pitchFamily="34" charset="0"/>
+                <a:cs typeface="Arial" panose="020B0604020202020204" pitchFamily="34" charset="0"/>
+              </a:rPr>
+              <a:t>ChangeSet</a:t>
             </a:r>
           </a:p>
         </p:txBody>
